--- a/Recap SW2.pptx
+++ b/Recap SW2.pptx
@@ -3248,14 +3248,23 @@
             <a:pPr lvl="1"/>
             <a:r>
               <a:rPr lang="en-US" dirty="0" smtClean="0"/>
-              <a:t>Stage:</a:t>
-            </a:r>
+              <a:t>Stage</a:t>
+            </a:r>
+            <a:r>
+              <a:rPr lang="en-US" dirty="0" smtClean="0"/>
+              <a:t>: Select files to commit</a:t>
+            </a:r>
+            <a:endParaRPr lang="en-US" dirty="0" smtClean="0"/>
           </a:p>
           <a:p>
             <a:pPr lvl="1"/>
             <a:r>
               <a:rPr lang="en-US" dirty="0" smtClean="0"/>
-              <a:t>Push:</a:t>
+              <a:t>Push</a:t>
+            </a:r>
+            <a:r>
+              <a:rPr lang="en-US" dirty="0" smtClean="0"/>
+              <a:t>: Push the committed files to the remote repository</a:t>
             </a:r>
             <a:endParaRPr lang="de-CH" dirty="0"/>
           </a:p>
@@ -3875,15 +3884,36 @@
           <a:p>
             <a:r>
               <a:rPr lang="en-US" dirty="0" smtClean="0"/>
-              <a:t>• How can you create a conflict </a:t>
-            </a:r>
-            <a:r>
-              <a:rPr lang="en-US" smtClean="0"/>
-              <a:t>yourself?</a:t>
+              <a:t>• How can you create a conflict yourself?</a:t>
             </a:r>
           </a:p>
           <a:p>
             <a:pPr lvl="1"/>
+            <a:r>
+              <a:rPr lang="en-US" dirty="0" smtClean="0"/>
+              <a:t>Create two clones</a:t>
+            </a:r>
+          </a:p>
+          <a:p>
+            <a:pPr lvl="1"/>
+            <a:r>
+              <a:rPr lang="en-US" dirty="0" smtClean="0"/>
+              <a:t>Edit the same file in both clones (also check that you edit the same lines)</a:t>
+            </a:r>
+          </a:p>
+          <a:p>
+            <a:pPr lvl="1"/>
+            <a:r>
+              <a:rPr lang="en-US" dirty="0" smtClean="0"/>
+              <a:t>Commit on both clones</a:t>
+            </a:r>
+          </a:p>
+          <a:p>
+            <a:pPr lvl="1"/>
+            <a:r>
+              <a:rPr lang="en-US" dirty="0" smtClean="0"/>
+              <a:t>Push on both clones (the later push will create the conflict)</a:t>
+            </a:r>
             <a:endParaRPr lang="en-US" dirty="0" smtClean="0"/>
           </a:p>
           <a:p>
@@ -3977,7 +4007,11 @@
             <a:pPr lvl="1"/>
             <a:r>
               <a:rPr lang="en-US" dirty="0" smtClean="0"/>
-              <a:t>No. You can create a local Repository</a:t>
+              <a:t>No. You can create a local </a:t>
+            </a:r>
+            <a:r>
+              <a:rPr lang="en-US" dirty="0" smtClean="0"/>
+              <a:t>repository</a:t>
             </a:r>
             <a:endParaRPr lang="de-CH" dirty="0"/>
           </a:p>

--- a/Recap SW2.pptx
+++ b/Recap SW2.pptx
@@ -7,15 +7,21 @@
   <p:sldIdLst>
     <p:sldId id="256" r:id="rId2"/>
     <p:sldId id="257" r:id="rId3"/>
-    <p:sldId id="258" r:id="rId4"/>
-    <p:sldId id="259" r:id="rId5"/>
-    <p:sldId id="260" r:id="rId6"/>
-    <p:sldId id="261" r:id="rId7"/>
-    <p:sldId id="262" r:id="rId8"/>
-    <p:sldId id="263" r:id="rId9"/>
-    <p:sldId id="264" r:id="rId10"/>
-    <p:sldId id="265" r:id="rId11"/>
-    <p:sldId id="266" r:id="rId12"/>
+    <p:sldId id="267" r:id="rId4"/>
+    <p:sldId id="268" r:id="rId5"/>
+    <p:sldId id="271" r:id="rId6"/>
+    <p:sldId id="269" r:id="rId7"/>
+    <p:sldId id="270" r:id="rId8"/>
+    <p:sldId id="258" r:id="rId9"/>
+    <p:sldId id="259" r:id="rId10"/>
+    <p:sldId id="260" r:id="rId11"/>
+    <p:sldId id="261" r:id="rId12"/>
+    <p:sldId id="262" r:id="rId13"/>
+    <p:sldId id="263" r:id="rId14"/>
+    <p:sldId id="264" r:id="rId15"/>
+    <p:sldId id="265" r:id="rId16"/>
+    <p:sldId id="266" r:id="rId17"/>
+    <p:sldId id="272" r:id="rId18"/>
   </p:sldIdLst>
   <p:sldSz cx="9144000" cy="6858000" type="screen4x3"/>
   <p:notesSz cx="6858000" cy="9144000"/>
@@ -298,7 +304,7 @@
           <a:p>
             <a:fld id="{59CC01F4-5E84-4E6D-951D-CFAB005CB529}" type="datetimeFigureOut">
               <a:rPr lang="de-CH" smtClean="0"/>
-              <a:t>24.02.2015</a:t>
+              <a:t>26.02.2015</a:t>
             </a:fld>
             <a:endParaRPr lang="de-CH"/>
           </a:p>
@@ -468,7 +474,7 @@
           <a:p>
             <a:fld id="{59CC01F4-5E84-4E6D-951D-CFAB005CB529}" type="datetimeFigureOut">
               <a:rPr lang="de-CH" smtClean="0"/>
-              <a:t>24.02.2015</a:t>
+              <a:t>26.02.2015</a:t>
             </a:fld>
             <a:endParaRPr lang="de-CH"/>
           </a:p>
@@ -648,7 +654,7 @@
           <a:p>
             <a:fld id="{59CC01F4-5E84-4E6D-951D-CFAB005CB529}" type="datetimeFigureOut">
               <a:rPr lang="de-CH" smtClean="0"/>
-              <a:t>24.02.2015</a:t>
+              <a:t>26.02.2015</a:t>
             </a:fld>
             <a:endParaRPr lang="de-CH"/>
           </a:p>
@@ -818,7 +824,7 @@
           <a:p>
             <a:fld id="{59CC01F4-5E84-4E6D-951D-CFAB005CB529}" type="datetimeFigureOut">
               <a:rPr lang="de-CH" smtClean="0"/>
-              <a:t>24.02.2015</a:t>
+              <a:t>26.02.2015</a:t>
             </a:fld>
             <a:endParaRPr lang="de-CH"/>
           </a:p>
@@ -1064,7 +1070,7 @@
           <a:p>
             <a:fld id="{59CC01F4-5E84-4E6D-951D-CFAB005CB529}" type="datetimeFigureOut">
               <a:rPr lang="de-CH" smtClean="0"/>
-              <a:t>24.02.2015</a:t>
+              <a:t>26.02.2015</a:t>
             </a:fld>
             <a:endParaRPr lang="de-CH"/>
           </a:p>
@@ -1352,7 +1358,7 @@
           <a:p>
             <a:fld id="{59CC01F4-5E84-4E6D-951D-CFAB005CB529}" type="datetimeFigureOut">
               <a:rPr lang="de-CH" smtClean="0"/>
-              <a:t>24.02.2015</a:t>
+              <a:t>26.02.2015</a:t>
             </a:fld>
             <a:endParaRPr lang="de-CH"/>
           </a:p>
@@ -1774,7 +1780,7 @@
           <a:p>
             <a:fld id="{59CC01F4-5E84-4E6D-951D-CFAB005CB529}" type="datetimeFigureOut">
               <a:rPr lang="de-CH" smtClean="0"/>
-              <a:t>24.02.2015</a:t>
+              <a:t>26.02.2015</a:t>
             </a:fld>
             <a:endParaRPr lang="de-CH"/>
           </a:p>
@@ -1892,7 +1898,7 @@
           <a:p>
             <a:fld id="{59CC01F4-5E84-4E6D-951D-CFAB005CB529}" type="datetimeFigureOut">
               <a:rPr lang="de-CH" smtClean="0"/>
-              <a:t>24.02.2015</a:t>
+              <a:t>26.02.2015</a:t>
             </a:fld>
             <a:endParaRPr lang="de-CH"/>
           </a:p>
@@ -1987,7 +1993,7 @@
           <a:p>
             <a:fld id="{59CC01F4-5E84-4E6D-951D-CFAB005CB529}" type="datetimeFigureOut">
               <a:rPr lang="de-CH" smtClean="0"/>
-              <a:t>24.02.2015</a:t>
+              <a:t>26.02.2015</a:t>
             </a:fld>
             <a:endParaRPr lang="de-CH"/>
           </a:p>
@@ -2264,7 +2270,7 @@
           <a:p>
             <a:fld id="{59CC01F4-5E84-4E6D-951D-CFAB005CB529}" type="datetimeFigureOut">
               <a:rPr lang="de-CH" smtClean="0"/>
-              <a:t>24.02.2015</a:t>
+              <a:t>26.02.2015</a:t>
             </a:fld>
             <a:endParaRPr lang="de-CH"/>
           </a:p>
@@ -2517,7 +2523,7 @@
           <a:p>
             <a:fld id="{59CC01F4-5E84-4E6D-951D-CFAB005CB529}" type="datetimeFigureOut">
               <a:rPr lang="de-CH" smtClean="0"/>
-              <a:t>24.02.2015</a:t>
+              <a:t>26.02.2015</a:t>
             </a:fld>
             <a:endParaRPr lang="de-CH"/>
           </a:p>
@@ -2730,7 +2736,7 @@
           <a:p>
             <a:fld id="{59CC01F4-5E84-4E6D-951D-CFAB005CB529}" type="datetimeFigureOut">
               <a:rPr lang="de-CH" smtClean="0"/>
-              <a:t>24.02.2015</a:t>
+              <a:t>26.02.2015</a:t>
             </a:fld>
             <a:endParaRPr lang="de-CH"/>
           </a:p>
@@ -3241,32 +3247,22 @@
           <a:p>
             <a:r>
               <a:rPr lang="en-US" dirty="0" smtClean="0"/>
-              <a:t>• What is the difference between Stage and Push?</a:t>
+              <a:t>Why should you separate the Eclipse workspace from the projects?</a:t>
             </a:r>
           </a:p>
           <a:p>
             <a:pPr lvl="1"/>
             <a:r>
               <a:rPr lang="en-US" dirty="0" smtClean="0"/>
-              <a:t>Stage</a:t>
-            </a:r>
+              <a:t>You do not want to commit the workspace files</a:t>
+            </a:r>
+          </a:p>
+          <a:p>
+            <a:pPr lvl="1"/>
             <a:r>
               <a:rPr lang="en-US" dirty="0" smtClean="0"/>
-              <a:t>: Select files to commit</a:t>
-            </a:r>
-            <a:endParaRPr lang="en-US" dirty="0" smtClean="0"/>
-          </a:p>
-          <a:p>
-            <a:pPr lvl="1"/>
-            <a:r>
-              <a:rPr lang="en-US" dirty="0" smtClean="0"/>
-              <a:t>Push</a:t>
-            </a:r>
-            <a:r>
-              <a:rPr lang="en-US" dirty="0" smtClean="0"/>
-              <a:t>: Push the committed files to the remote repository</a:t>
-            </a:r>
-            <a:endParaRPr lang="de-CH" dirty="0"/>
+              <a:t>Workspace is unique to your machine</a:t>
+            </a:r>
           </a:p>
         </p:txBody>
       </p:sp>
@@ -3319,6 +3315,502 @@
               <a:rPr lang="de-CH" dirty="0" err="1" smtClean="0"/>
               <a:t>Questions</a:t>
             </a:r>
+            <a:endParaRPr lang="de-CH" dirty="0"/>
+          </a:p>
+        </p:txBody>
+      </p:sp>
+      <p:sp>
+        <p:nvSpPr>
+          <p:cNvPr id="3" name="Inhaltsplatzhalter 2"/>
+          <p:cNvSpPr>
+            <a:spLocks noGrp="1"/>
+          </p:cNvSpPr>
+          <p:nvPr>
+            <p:ph idx="1"/>
+          </p:nvPr>
+        </p:nvSpPr>
+        <p:spPr/>
+        <p:txBody>
+          <a:bodyPr/>
+          <a:lstStyle/>
+          <a:p>
+            <a:r>
+              <a:rPr lang="en-US" dirty="0" smtClean="0"/>
+              <a:t>Why it can make sense to have multiple VCS clients installed (e.g. </a:t>
+            </a:r>
+            <a:r>
+              <a:rPr lang="en-US" dirty="0" err="1" smtClean="0"/>
+              <a:t>TortoiseGit</a:t>
+            </a:r>
+            <a:r>
+              <a:rPr lang="en-US" dirty="0" smtClean="0"/>
+              <a:t> and </a:t>
+            </a:r>
+            <a:r>
+              <a:rPr lang="en-US" dirty="0" err="1" smtClean="0"/>
+              <a:t>SourceTree</a:t>
+            </a:r>
+            <a:r>
+              <a:rPr lang="en-US" dirty="0" smtClean="0"/>
+              <a:t>)? </a:t>
+            </a:r>
+          </a:p>
+          <a:p>
+            <a:pPr lvl="1"/>
+            <a:r>
+              <a:rPr lang="en-US" dirty="0" smtClean="0"/>
+              <a:t>Different clients support different VCS</a:t>
+            </a:r>
+          </a:p>
+          <a:p>
+            <a:pPr lvl="1"/>
+            <a:r>
+              <a:rPr lang="en-US" dirty="0" smtClean="0"/>
+              <a:t>Different range of functionality</a:t>
+            </a:r>
+            <a:endParaRPr lang="de-CH" dirty="0"/>
+          </a:p>
+        </p:txBody>
+      </p:sp>
+    </p:spTree>
+    <p:extLst>
+      <p:ext uri="{BB962C8B-B14F-4D97-AF65-F5344CB8AC3E}">
+        <p14:creationId xmlns:p14="http://schemas.microsoft.com/office/powerpoint/2010/main" val="2986942910"/>
+      </p:ext>
+    </p:extLst>
+  </p:cSld>
+  <p:clrMapOvr>
+    <a:masterClrMapping/>
+  </p:clrMapOvr>
+</p:sld>
+</file>
+
+<file path=ppt/slides/slide12.xml><?xml version="1.0" encoding="utf-8"?>
+<p:sld xmlns:a="http://schemas.openxmlformats.org/drawingml/2006/main" xmlns:r="http://schemas.openxmlformats.org/officeDocument/2006/relationships" xmlns:p="http://schemas.openxmlformats.org/presentationml/2006/main">
+  <p:cSld>
+    <p:spTree>
+      <p:nvGrpSpPr>
+        <p:cNvPr id="1" name=""/>
+        <p:cNvGrpSpPr/>
+        <p:nvPr/>
+      </p:nvGrpSpPr>
+      <p:grpSpPr>
+        <a:xfrm>
+          <a:off x="0" y="0"/>
+          <a:ext cx="0" cy="0"/>
+          <a:chOff x="0" y="0"/>
+          <a:chExt cx="0" cy="0"/>
+        </a:xfrm>
+      </p:grpSpPr>
+      <p:sp>
+        <p:nvSpPr>
+          <p:cNvPr id="2" name="Titel 1"/>
+          <p:cNvSpPr>
+            <a:spLocks noGrp="1"/>
+          </p:cNvSpPr>
+          <p:nvPr>
+            <p:ph type="title"/>
+          </p:nvPr>
+        </p:nvSpPr>
+        <p:spPr/>
+        <p:txBody>
+          <a:bodyPr/>
+          <a:lstStyle/>
+          <a:p>
+            <a:r>
+              <a:rPr lang="de-CH" dirty="0" err="1" smtClean="0"/>
+              <a:t>Questions</a:t>
+            </a:r>
+            <a:endParaRPr lang="de-CH" dirty="0"/>
+          </a:p>
+        </p:txBody>
+      </p:sp>
+      <p:sp>
+        <p:nvSpPr>
+          <p:cNvPr id="3" name="Inhaltsplatzhalter 2"/>
+          <p:cNvSpPr>
+            <a:spLocks noGrp="1"/>
+          </p:cNvSpPr>
+          <p:nvPr>
+            <p:ph idx="1"/>
+          </p:nvPr>
+        </p:nvSpPr>
+        <p:spPr/>
+        <p:txBody>
+          <a:bodyPr/>
+          <a:lstStyle/>
+          <a:p>
+            <a:r>
+              <a:rPr lang="en-US" dirty="0" smtClean="0"/>
+              <a:t>How </a:t>
+            </a:r>
+            <a:r>
+              <a:rPr lang="en-US" dirty="0" smtClean="0"/>
+              <a:t>can you create a conflict yourself?</a:t>
+            </a:r>
+          </a:p>
+          <a:p>
+            <a:pPr lvl="1"/>
+            <a:r>
+              <a:rPr lang="en-US" dirty="0" smtClean="0"/>
+              <a:t>Create two clones</a:t>
+            </a:r>
+          </a:p>
+          <a:p>
+            <a:pPr lvl="1"/>
+            <a:r>
+              <a:rPr lang="en-US" dirty="0" smtClean="0"/>
+              <a:t>Edit the same file in both clones (also check that you edit the same lines)</a:t>
+            </a:r>
+          </a:p>
+          <a:p>
+            <a:pPr lvl="1"/>
+            <a:r>
+              <a:rPr lang="en-US" dirty="0" smtClean="0"/>
+              <a:t>Commit on both clones</a:t>
+            </a:r>
+          </a:p>
+          <a:p>
+            <a:pPr lvl="1"/>
+            <a:r>
+              <a:rPr lang="en-US" dirty="0" smtClean="0"/>
+              <a:t>Push on both clones (the later push will create the conflict)</a:t>
+            </a:r>
+          </a:p>
+          <a:p>
+            <a:pPr lvl="1"/>
+            <a:endParaRPr lang="de-CH" dirty="0"/>
+          </a:p>
+        </p:txBody>
+      </p:sp>
+    </p:spTree>
+    <p:extLst>
+      <p:ext uri="{BB962C8B-B14F-4D97-AF65-F5344CB8AC3E}">
+        <p14:creationId xmlns:p14="http://schemas.microsoft.com/office/powerpoint/2010/main" val="2986942910"/>
+      </p:ext>
+    </p:extLst>
+  </p:cSld>
+  <p:clrMapOvr>
+    <a:masterClrMapping/>
+  </p:clrMapOvr>
+</p:sld>
+</file>
+
+<file path=ppt/slides/slide13.xml><?xml version="1.0" encoding="utf-8"?>
+<p:sld xmlns:a="http://schemas.openxmlformats.org/drawingml/2006/main" xmlns:r="http://schemas.openxmlformats.org/officeDocument/2006/relationships" xmlns:p="http://schemas.openxmlformats.org/presentationml/2006/main">
+  <p:cSld>
+    <p:spTree>
+      <p:nvGrpSpPr>
+        <p:cNvPr id="1" name=""/>
+        <p:cNvGrpSpPr/>
+        <p:nvPr/>
+      </p:nvGrpSpPr>
+      <p:grpSpPr>
+        <a:xfrm>
+          <a:off x="0" y="0"/>
+          <a:ext cx="0" cy="0"/>
+          <a:chOff x="0" y="0"/>
+          <a:chExt cx="0" cy="0"/>
+        </a:xfrm>
+      </p:grpSpPr>
+      <p:sp>
+        <p:nvSpPr>
+          <p:cNvPr id="2" name="Titel 1"/>
+          <p:cNvSpPr>
+            <a:spLocks noGrp="1"/>
+          </p:cNvSpPr>
+          <p:nvPr>
+            <p:ph type="title"/>
+          </p:nvPr>
+        </p:nvSpPr>
+        <p:spPr/>
+        <p:txBody>
+          <a:bodyPr/>
+          <a:lstStyle/>
+          <a:p>
+            <a:r>
+              <a:rPr lang="de-CH" dirty="0" err="1" smtClean="0"/>
+              <a:t>Questions</a:t>
+            </a:r>
+            <a:endParaRPr lang="de-CH" dirty="0"/>
+          </a:p>
+        </p:txBody>
+      </p:sp>
+      <p:sp>
+        <p:nvSpPr>
+          <p:cNvPr id="3" name="Inhaltsplatzhalter 2"/>
+          <p:cNvSpPr>
+            <a:spLocks noGrp="1"/>
+          </p:cNvSpPr>
+          <p:nvPr>
+            <p:ph idx="1"/>
+          </p:nvPr>
+        </p:nvSpPr>
+        <p:spPr/>
+        <p:txBody>
+          <a:bodyPr/>
+          <a:lstStyle/>
+          <a:p>
+            <a:r>
+              <a:rPr lang="en-US" dirty="0" smtClean="0"/>
+              <a:t>Do </a:t>
+            </a:r>
+            <a:r>
+              <a:rPr lang="en-US" dirty="0" smtClean="0"/>
+              <a:t>you need a server to use </a:t>
+            </a:r>
+            <a:r>
+              <a:rPr lang="en-US" dirty="0" err="1" smtClean="0"/>
+              <a:t>Git</a:t>
+            </a:r>
+            <a:r>
+              <a:rPr lang="en-US" dirty="0" smtClean="0"/>
+              <a:t>?</a:t>
+            </a:r>
+          </a:p>
+          <a:p>
+            <a:pPr lvl="1"/>
+            <a:r>
+              <a:rPr lang="en-US" dirty="0" smtClean="0"/>
+              <a:t>No. You can create a local repository</a:t>
+            </a:r>
+            <a:endParaRPr lang="de-CH" dirty="0"/>
+          </a:p>
+        </p:txBody>
+      </p:sp>
+    </p:spTree>
+    <p:extLst>
+      <p:ext uri="{BB962C8B-B14F-4D97-AF65-F5344CB8AC3E}">
+        <p14:creationId xmlns:p14="http://schemas.microsoft.com/office/powerpoint/2010/main" val="2986942910"/>
+      </p:ext>
+    </p:extLst>
+  </p:cSld>
+  <p:clrMapOvr>
+    <a:masterClrMapping/>
+  </p:clrMapOvr>
+</p:sld>
+</file>
+
+<file path=ppt/slides/slide14.xml><?xml version="1.0" encoding="utf-8"?>
+<p:sld xmlns:a="http://schemas.openxmlformats.org/drawingml/2006/main" xmlns:r="http://schemas.openxmlformats.org/officeDocument/2006/relationships" xmlns:p="http://schemas.openxmlformats.org/presentationml/2006/main">
+  <p:cSld>
+    <p:spTree>
+      <p:nvGrpSpPr>
+        <p:cNvPr id="1" name=""/>
+        <p:cNvGrpSpPr/>
+        <p:nvPr/>
+      </p:nvGrpSpPr>
+      <p:grpSpPr>
+        <a:xfrm>
+          <a:off x="0" y="0"/>
+          <a:ext cx="0" cy="0"/>
+          <a:chOff x="0" y="0"/>
+          <a:chExt cx="0" cy="0"/>
+        </a:xfrm>
+      </p:grpSpPr>
+      <p:sp>
+        <p:nvSpPr>
+          <p:cNvPr id="2" name="Titel 1"/>
+          <p:cNvSpPr>
+            <a:spLocks noGrp="1"/>
+          </p:cNvSpPr>
+          <p:nvPr>
+            <p:ph type="title"/>
+          </p:nvPr>
+        </p:nvSpPr>
+        <p:spPr/>
+        <p:txBody>
+          <a:bodyPr/>
+          <a:lstStyle/>
+          <a:p>
+            <a:r>
+              <a:rPr lang="de-CH" dirty="0" err="1" smtClean="0"/>
+              <a:t>Questions</a:t>
+            </a:r>
+            <a:endParaRPr lang="de-CH" dirty="0"/>
+          </a:p>
+        </p:txBody>
+      </p:sp>
+      <p:sp>
+        <p:nvSpPr>
+          <p:cNvPr id="3" name="Inhaltsplatzhalter 2"/>
+          <p:cNvSpPr>
+            <a:spLocks noGrp="1"/>
+          </p:cNvSpPr>
+          <p:nvPr>
+            <p:ph idx="1"/>
+          </p:nvPr>
+        </p:nvSpPr>
+        <p:spPr/>
+        <p:txBody>
+          <a:bodyPr/>
+          <a:lstStyle/>
+          <a:p>
+            <a:r>
+              <a:rPr lang="en-US" dirty="0" smtClean="0"/>
+              <a:t>What is the difference between Clone and Pull? </a:t>
+            </a:r>
+          </a:p>
+          <a:p>
+            <a:pPr lvl="1"/>
+            <a:r>
+              <a:rPr lang="en-US" dirty="0" smtClean="0"/>
+              <a:t>Clone: clones an existing repo to your machine</a:t>
+            </a:r>
+          </a:p>
+          <a:p>
+            <a:pPr lvl="1"/>
+            <a:r>
+              <a:rPr lang="en-US" dirty="0" smtClean="0"/>
+              <a:t>Pull: pulls the content of a previous cloned repo</a:t>
+            </a:r>
+            <a:endParaRPr lang="de-CH" dirty="0"/>
+          </a:p>
+        </p:txBody>
+      </p:sp>
+    </p:spTree>
+    <p:extLst>
+      <p:ext uri="{BB962C8B-B14F-4D97-AF65-F5344CB8AC3E}">
+        <p14:creationId xmlns:p14="http://schemas.microsoft.com/office/powerpoint/2010/main" val="2986942910"/>
+      </p:ext>
+    </p:extLst>
+  </p:cSld>
+  <p:clrMapOvr>
+    <a:masterClrMapping/>
+  </p:clrMapOvr>
+</p:sld>
+</file>
+
+<file path=ppt/slides/slide15.xml><?xml version="1.0" encoding="utf-8"?>
+<p:sld xmlns:a="http://schemas.openxmlformats.org/drawingml/2006/main" xmlns:r="http://schemas.openxmlformats.org/officeDocument/2006/relationships" xmlns:p="http://schemas.openxmlformats.org/presentationml/2006/main">
+  <p:cSld>
+    <p:spTree>
+      <p:nvGrpSpPr>
+        <p:cNvPr id="1" name=""/>
+        <p:cNvGrpSpPr/>
+        <p:nvPr/>
+      </p:nvGrpSpPr>
+      <p:grpSpPr>
+        <a:xfrm>
+          <a:off x="0" y="0"/>
+          <a:ext cx="0" cy="0"/>
+          <a:chOff x="0" y="0"/>
+          <a:chExt cx="0" cy="0"/>
+        </a:xfrm>
+      </p:grpSpPr>
+      <p:sp>
+        <p:nvSpPr>
+          <p:cNvPr id="2" name="Titel 1"/>
+          <p:cNvSpPr>
+            <a:spLocks noGrp="1"/>
+          </p:cNvSpPr>
+          <p:nvPr>
+            <p:ph type="title"/>
+          </p:nvPr>
+        </p:nvSpPr>
+        <p:spPr/>
+        <p:txBody>
+          <a:bodyPr/>
+          <a:lstStyle/>
+          <a:p>
+            <a:r>
+              <a:rPr lang="de-CH" dirty="0" err="1" smtClean="0"/>
+              <a:t>Questions</a:t>
+            </a:r>
+            <a:endParaRPr lang="de-CH" dirty="0"/>
+          </a:p>
+        </p:txBody>
+      </p:sp>
+      <p:sp>
+        <p:nvSpPr>
+          <p:cNvPr id="3" name="Inhaltsplatzhalter 2"/>
+          <p:cNvSpPr>
+            <a:spLocks noGrp="1"/>
+          </p:cNvSpPr>
+          <p:nvPr>
+            <p:ph idx="1"/>
+          </p:nvPr>
+        </p:nvSpPr>
+        <p:spPr/>
+        <p:txBody>
+          <a:bodyPr/>
+          <a:lstStyle/>
+          <a:p>
+            <a:r>
+              <a:rPr lang="en-US" dirty="0" smtClean="0"/>
+              <a:t>What </a:t>
+            </a:r>
+            <a:r>
+              <a:rPr lang="en-US" dirty="0" smtClean="0"/>
+              <a:t>is the difference between Stage and Push?</a:t>
+            </a:r>
+          </a:p>
+          <a:p>
+            <a:pPr lvl="1"/>
+            <a:r>
+              <a:rPr lang="en-US" dirty="0" smtClean="0"/>
+              <a:t>Stage: Select files to commit</a:t>
+            </a:r>
+          </a:p>
+          <a:p>
+            <a:pPr lvl="1"/>
+            <a:r>
+              <a:rPr lang="en-US" dirty="0" smtClean="0"/>
+              <a:t>Push: Push the committed files to the remote repository</a:t>
+            </a:r>
+            <a:endParaRPr lang="de-CH" dirty="0"/>
+          </a:p>
+        </p:txBody>
+      </p:sp>
+    </p:spTree>
+    <p:extLst>
+      <p:ext uri="{BB962C8B-B14F-4D97-AF65-F5344CB8AC3E}">
+        <p14:creationId xmlns:p14="http://schemas.microsoft.com/office/powerpoint/2010/main" val="2986942910"/>
+      </p:ext>
+    </p:extLst>
+  </p:cSld>
+  <p:clrMapOvr>
+    <a:masterClrMapping/>
+  </p:clrMapOvr>
+</p:sld>
+</file>
+
+<file path=ppt/slides/slide16.xml><?xml version="1.0" encoding="utf-8"?>
+<p:sld xmlns:a="http://schemas.openxmlformats.org/drawingml/2006/main" xmlns:r="http://schemas.openxmlformats.org/officeDocument/2006/relationships" xmlns:p="http://schemas.openxmlformats.org/presentationml/2006/main">
+  <p:cSld>
+    <p:spTree>
+      <p:nvGrpSpPr>
+        <p:cNvPr id="1" name=""/>
+        <p:cNvGrpSpPr/>
+        <p:nvPr/>
+      </p:nvGrpSpPr>
+      <p:grpSpPr>
+        <a:xfrm>
+          <a:off x="0" y="0"/>
+          <a:ext cx="0" cy="0"/>
+          <a:chOff x="0" y="0"/>
+          <a:chExt cx="0" cy="0"/>
+        </a:xfrm>
+      </p:grpSpPr>
+      <p:sp>
+        <p:nvSpPr>
+          <p:cNvPr id="2" name="Titel 1"/>
+          <p:cNvSpPr>
+            <a:spLocks noGrp="1"/>
+          </p:cNvSpPr>
+          <p:nvPr>
+            <p:ph type="title"/>
+          </p:nvPr>
+        </p:nvSpPr>
+        <p:spPr/>
+        <p:txBody>
+          <a:bodyPr/>
+          <a:lstStyle/>
+          <a:p>
+            <a:r>
+              <a:rPr lang="de-CH" dirty="0" err="1" smtClean="0"/>
+              <a:t>Questions</a:t>
+            </a:r>
             <a:r>
               <a:rPr lang="de-CH" dirty="0" smtClean="0"/>
               <a:t> </a:t>
@@ -3361,6 +3853,129 @@
     <p:extLst>
       <p:ext uri="{BB962C8B-B14F-4D97-AF65-F5344CB8AC3E}">
         <p14:creationId xmlns:p14="http://schemas.microsoft.com/office/powerpoint/2010/main" val="3661952613"/>
+      </p:ext>
+    </p:extLst>
+  </p:cSld>
+  <p:clrMapOvr>
+    <a:masterClrMapping/>
+  </p:clrMapOvr>
+</p:sld>
+</file>
+
+<file path=ppt/slides/slide17.xml><?xml version="1.0" encoding="utf-8"?>
+<p:sld xmlns:a="http://schemas.openxmlformats.org/drawingml/2006/main" xmlns:r="http://schemas.openxmlformats.org/officeDocument/2006/relationships" xmlns:p="http://schemas.openxmlformats.org/presentationml/2006/main">
+  <p:cSld>
+    <p:spTree>
+      <p:nvGrpSpPr>
+        <p:cNvPr id="1" name=""/>
+        <p:cNvGrpSpPr/>
+        <p:nvPr/>
+      </p:nvGrpSpPr>
+      <p:grpSpPr>
+        <a:xfrm>
+          <a:off x="0" y="0"/>
+          <a:ext cx="0" cy="0"/>
+          <a:chOff x="0" y="0"/>
+          <a:chExt cx="0" cy="0"/>
+        </a:xfrm>
+      </p:grpSpPr>
+      <p:sp>
+        <p:nvSpPr>
+          <p:cNvPr id="2" name="Titel 1"/>
+          <p:cNvSpPr>
+            <a:spLocks noGrp="1"/>
+          </p:cNvSpPr>
+          <p:nvPr>
+            <p:ph type="title"/>
+          </p:nvPr>
+        </p:nvSpPr>
+        <p:spPr/>
+        <p:txBody>
+          <a:bodyPr/>
+          <a:lstStyle/>
+          <a:p>
+            <a:r>
+              <a:rPr lang="de-CH" dirty="0" err="1" smtClean="0"/>
+              <a:t>Conflict</a:t>
+            </a:r>
+            <a:r>
+              <a:rPr lang="de-CH" dirty="0" smtClean="0"/>
+              <a:t> </a:t>
+            </a:r>
+            <a:r>
+              <a:rPr lang="de-CH" dirty="0" err="1" smtClean="0"/>
+              <a:t>Solving</a:t>
+            </a:r>
+            <a:r>
+              <a:rPr lang="de-CH" dirty="0" smtClean="0"/>
+              <a:t> </a:t>
+            </a:r>
+            <a:r>
+              <a:rPr lang="de-CH" dirty="0" err="1" smtClean="0"/>
+              <a:t>Example</a:t>
+            </a:r>
+            <a:endParaRPr lang="de-CH" dirty="0"/>
+          </a:p>
+        </p:txBody>
+      </p:sp>
+      <p:pic>
+        <p:nvPicPr>
+          <p:cNvPr id="5122" name="Picture 2"/>
+          <p:cNvPicPr>
+            <a:picLocks noChangeAspect="1" noChangeArrowheads="1"/>
+          </p:cNvPicPr>
+          <p:nvPr/>
+        </p:nvPicPr>
+        <p:blipFill>
+          <a:blip r:embed="rId2">
+            <a:extLst>
+              <a:ext uri="{28A0092B-C50C-407E-A947-70E740481C1C}">
+                <a14:useLocalDpi xmlns:a14="http://schemas.microsoft.com/office/drawing/2010/main" val="0"/>
+              </a:ext>
+            </a:extLst>
+          </a:blip>
+          <a:srcRect/>
+          <a:stretch>
+            <a:fillRect/>
+          </a:stretch>
+        </p:blipFill>
+        <p:spPr bwMode="auto">
+          <a:xfrm>
+            <a:off x="1538919" y="1268760"/>
+            <a:ext cx="6336704" cy="5184577"/>
+          </a:xfrm>
+          <a:prstGeom prst="rect">
+            <a:avLst/>
+          </a:prstGeom>
+          <a:noFill/>
+          <a:ln>
+            <a:noFill/>
+          </a:ln>
+          <a:extLst>
+            <a:ext uri="{909E8E84-426E-40DD-AFC4-6F175D3DCCD1}">
+              <a14:hiddenFill xmlns:a14="http://schemas.microsoft.com/office/drawing/2010/main">
+                <a:solidFill>
+                  <a:schemeClr val="accent1"/>
+                </a:solidFill>
+              </a14:hiddenFill>
+            </a:ext>
+            <a:ext uri="{91240B29-F687-4F45-9708-019B960494DF}">
+              <a14:hiddenLine xmlns:a14="http://schemas.microsoft.com/office/drawing/2010/main" w="9525">
+                <a:solidFill>
+                  <a:schemeClr val="tx1"/>
+                </a:solidFill>
+                <a:miter lim="800000"/>
+                <a:headEnd/>
+                <a:tailEnd/>
+              </a14:hiddenLine>
+            </a:ext>
+          </a:extLst>
+        </p:spPr>
+      </p:pic>
+    </p:spTree>
+    <p:extLst>
+      <p:ext uri="{BB962C8B-B14F-4D97-AF65-F5344CB8AC3E}">
+        <p14:creationId xmlns:p14="http://schemas.microsoft.com/office/powerpoint/2010/main" val="2274262118"/>
       </p:ext>
     </p:extLst>
   </p:cSld>
@@ -3402,7 +4017,11 @@
           <a:bodyPr/>
           <a:lstStyle/>
           <a:p>
-            <a:endParaRPr lang="de-CH"/>
+            <a:r>
+              <a:rPr lang="de-CH" b="1" dirty="0" smtClean="0"/>
+              <a:t>Content</a:t>
+            </a:r>
+            <a:endParaRPr lang="de-CH" b="1" dirty="0"/>
           </a:p>
         </p:txBody>
       </p:sp>
@@ -3416,12 +4035,156 @@
             <p:ph idx="1"/>
           </p:nvPr>
         </p:nvSpPr>
-        <p:spPr/>
-        <p:txBody>
-          <a:bodyPr/>
-          <a:lstStyle/>
-          <a:p>
-            <a:endParaRPr lang="de-CH"/>
+        <p:spPr>
+          <a:xfrm>
+            <a:off x="457200" y="1268760"/>
+            <a:ext cx="8229600" cy="4857403"/>
+          </a:xfrm>
+        </p:spPr>
+        <p:txBody>
+          <a:bodyPr/>
+          <a:lstStyle/>
+          <a:p>
+            <a:pPr marL="0" indent="0">
+              <a:buNone/>
+            </a:pPr>
+            <a:r>
+              <a:rPr lang="de-CH" dirty="0" err="1" smtClean="0"/>
+              <a:t>Concepts</a:t>
+            </a:r>
+            <a:endParaRPr lang="de-CH" dirty="0" smtClean="0"/>
+          </a:p>
+          <a:p>
+            <a:pPr marL="0" indent="0">
+              <a:buNone/>
+            </a:pPr>
+            <a:r>
+              <a:rPr lang="de-CH" dirty="0"/>
+              <a:t>	</a:t>
+            </a:r>
+            <a:r>
+              <a:rPr lang="de-CH" dirty="0" smtClean="0"/>
+              <a:t>- </a:t>
+            </a:r>
+            <a:r>
+              <a:rPr lang="de-CH" dirty="0" err="1" smtClean="0"/>
+              <a:t>Git</a:t>
+            </a:r>
+            <a:r>
+              <a:rPr lang="de-CH" dirty="0" smtClean="0"/>
+              <a:t>/</a:t>
+            </a:r>
+            <a:r>
+              <a:rPr lang="de-CH" dirty="0" err="1" smtClean="0"/>
+              <a:t>Github</a:t>
+            </a:r>
+            <a:endParaRPr lang="de-CH" dirty="0" smtClean="0"/>
+          </a:p>
+          <a:p>
+            <a:pPr marL="0" indent="0">
+              <a:buNone/>
+            </a:pPr>
+            <a:r>
+              <a:rPr lang="de-CH" dirty="0"/>
+              <a:t>	</a:t>
+            </a:r>
+            <a:r>
+              <a:rPr lang="de-CH" dirty="0" smtClean="0"/>
+              <a:t>- </a:t>
+            </a:r>
+            <a:r>
+              <a:rPr lang="de-CH" dirty="0" err="1" smtClean="0"/>
+              <a:t>Conflicts</a:t>
+            </a:r>
+            <a:endParaRPr lang="de-CH" dirty="0" smtClean="0"/>
+          </a:p>
+          <a:p>
+            <a:pPr marL="0" indent="0">
+              <a:buNone/>
+            </a:pPr>
+            <a:r>
+              <a:rPr lang="de-CH" dirty="0"/>
+              <a:t>	</a:t>
+            </a:r>
+            <a:r>
+              <a:rPr lang="de-CH" dirty="0" smtClean="0"/>
+              <a:t>- </a:t>
+            </a:r>
+            <a:r>
+              <a:rPr lang="de-CH" dirty="0" err="1" smtClean="0"/>
+              <a:t>Ignore</a:t>
+            </a:r>
+            <a:r>
+              <a:rPr lang="de-CH" dirty="0" smtClean="0"/>
+              <a:t>-File</a:t>
+            </a:r>
+          </a:p>
+          <a:p>
+            <a:pPr marL="0" indent="0">
+              <a:buNone/>
+            </a:pPr>
+            <a:r>
+              <a:rPr lang="de-CH" dirty="0"/>
+              <a:t>	</a:t>
+            </a:r>
+            <a:r>
+              <a:rPr lang="de-CH" dirty="0" smtClean="0"/>
+              <a:t>- Common Files in Projects</a:t>
+            </a:r>
+          </a:p>
+          <a:p>
+            <a:pPr marL="0" indent="0">
+              <a:buNone/>
+            </a:pPr>
+            <a:r>
+              <a:rPr lang="de-CH" dirty="0" err="1" smtClean="0"/>
+              <a:t>Questions</a:t>
+            </a:r>
+            <a:endParaRPr lang="de-CH" dirty="0" smtClean="0"/>
+          </a:p>
+          <a:p>
+            <a:pPr marL="0" indent="0">
+              <a:buNone/>
+            </a:pPr>
+            <a:r>
+              <a:rPr lang="de-CH" dirty="0" smtClean="0"/>
+              <a:t>Demonstration </a:t>
+            </a:r>
+            <a:r>
+              <a:rPr lang="de-CH" dirty="0" err="1" smtClean="0"/>
+              <a:t>of</a:t>
+            </a:r>
+            <a:r>
+              <a:rPr lang="de-CH" dirty="0" smtClean="0"/>
+              <a:t> </a:t>
+            </a:r>
+            <a:r>
+              <a:rPr lang="de-CH" dirty="0" err="1" smtClean="0"/>
+              <a:t>Conflict</a:t>
+            </a:r>
+            <a:r>
+              <a:rPr lang="de-CH" dirty="0" smtClean="0"/>
+              <a:t> </a:t>
+            </a:r>
+            <a:r>
+              <a:rPr lang="de-CH" dirty="0" err="1" smtClean="0"/>
+              <a:t>Solving</a:t>
+            </a:r>
+            <a:r>
+              <a:rPr lang="de-CH" dirty="0" smtClean="0"/>
+              <a:t> </a:t>
+            </a:r>
+            <a:r>
+              <a:rPr lang="de-CH" dirty="0" err="1" smtClean="0"/>
+              <a:t>Process</a:t>
+            </a:r>
+            <a:endParaRPr lang="de-CH" dirty="0" smtClean="0"/>
+          </a:p>
+          <a:p>
+            <a:pPr marL="0" indent="0">
+              <a:buNone/>
+            </a:pPr>
+            <a:endParaRPr lang="de-CH" dirty="0"/>
           </a:p>
         </p:txBody>
       </p:sp>
@@ -3471,68 +4234,71 @@
           <a:lstStyle/>
           <a:p>
             <a:r>
-              <a:rPr lang="de-CH" dirty="0" err="1" smtClean="0"/>
-              <a:t>Questions</a:t>
-            </a:r>
-            <a:endParaRPr lang="de-CH" dirty="0"/>
-          </a:p>
-        </p:txBody>
-      </p:sp>
-      <p:sp>
-        <p:nvSpPr>
-          <p:cNvPr id="3" name="Inhaltsplatzhalter 2"/>
-          <p:cNvSpPr>
-            <a:spLocks noGrp="1"/>
-          </p:cNvSpPr>
-          <p:nvPr>
-            <p:ph idx="1"/>
-          </p:nvPr>
-        </p:nvSpPr>
-        <p:spPr/>
-        <p:txBody>
-          <a:bodyPr/>
-          <a:lstStyle/>
-          <a:p>
-            <a:r>
-              <a:rPr lang="en-US" dirty="0" smtClean="0"/>
-              <a:t>Why do we need to ignore files?</a:t>
-            </a:r>
-          </a:p>
-          <a:p>
-            <a:pPr lvl="1"/>
-            <a:r>
-              <a:rPr lang="en-US" dirty="0" smtClean="0"/>
-              <a:t>Telling the VCS to not check in files</a:t>
-            </a:r>
-          </a:p>
-          <a:p>
-            <a:pPr lvl="2"/>
-            <a:r>
-              <a:rPr lang="en-US" dirty="0" smtClean="0"/>
-              <a:t>You don’t need to put all files in the repo. (Auto generated ones)</a:t>
-            </a:r>
-          </a:p>
-          <a:p>
-            <a:pPr lvl="1"/>
-            <a:r>
-              <a:rPr lang="en-US" dirty="0" smtClean="0"/>
-              <a:t>Saves space on the VCS</a:t>
-            </a:r>
-          </a:p>
-          <a:p>
-            <a:pPr lvl="1"/>
-            <a:r>
-              <a:rPr lang="en-US" dirty="0" smtClean="0"/>
-              <a:t>Reduces conflicts</a:t>
-            </a:r>
-            <a:endParaRPr lang="de-CH" dirty="0"/>
-          </a:p>
-        </p:txBody>
-      </p:sp>
+              <a:rPr lang="de-CH" b="1" dirty="0" err="1" smtClean="0"/>
+              <a:t>Git</a:t>
+            </a:r>
+            <a:endParaRPr lang="de-CH" b="1" dirty="0"/>
+          </a:p>
+        </p:txBody>
+      </p:sp>
+      <p:pic>
+        <p:nvPicPr>
+          <p:cNvPr id="1027" name="Picture 3"/>
+          <p:cNvPicPr>
+            <a:picLocks noChangeAspect="1" noChangeArrowheads="1"/>
+          </p:cNvPicPr>
+          <p:nvPr/>
+        </p:nvPicPr>
+        <p:blipFill>
+          <a:blip r:embed="rId2">
+            <a:extLst>
+              <a:ext uri="{28A0092B-C50C-407E-A947-70E740481C1C}">
+                <a14:useLocalDpi xmlns:a14="http://schemas.microsoft.com/office/drawing/2010/main" val="0"/>
+              </a:ext>
+            </a:extLst>
+          </a:blip>
+          <a:srcRect/>
+          <a:stretch>
+            <a:fillRect/>
+          </a:stretch>
+        </p:blipFill>
+        <p:spPr bwMode="auto">
+          <a:xfrm>
+            <a:off x="755576" y="1501164"/>
+            <a:ext cx="7561709" cy="4963248"/>
+          </a:xfrm>
+          <a:prstGeom prst="rect">
+            <a:avLst/>
+          </a:prstGeom>
+          <a:noFill/>
+          <a:ln>
+            <a:noFill/>
+          </a:ln>
+          <a:extLst>
+            <a:ext uri="{909E8E84-426E-40DD-AFC4-6F175D3DCCD1}">
+              <a14:hiddenFill xmlns:a14="http://schemas.microsoft.com/office/drawing/2010/main">
+                <a:solidFill>
+                  <a:schemeClr val="accent1"/>
+                </a:solidFill>
+              </a14:hiddenFill>
+            </a:ext>
+            <a:ext uri="{91240B29-F687-4F45-9708-019B960494DF}">
+              <a14:hiddenLine xmlns:a14="http://schemas.microsoft.com/office/drawing/2010/main" w="9525">
+                <a:solidFill>
+                  <a:schemeClr val="tx1"/>
+                </a:solidFill>
+                <a:miter lim="800000"/>
+                <a:headEnd/>
+                <a:tailEnd/>
+              </a14:hiddenLine>
+            </a:ext>
+          </a:extLst>
+        </p:spPr>
+      </p:pic>
     </p:spTree>
     <p:extLst>
       <p:ext uri="{BB962C8B-B14F-4D97-AF65-F5344CB8AC3E}">
-        <p14:creationId xmlns:p14="http://schemas.microsoft.com/office/powerpoint/2010/main" val="4022060751"/>
+        <p14:creationId xmlns:p14="http://schemas.microsoft.com/office/powerpoint/2010/main" val="1227104518"/>
       </p:ext>
     </p:extLst>
   </p:cSld>
@@ -3575,54 +4341,189 @@
           <a:lstStyle/>
           <a:p>
             <a:r>
-              <a:rPr lang="de-CH" dirty="0" err="1" smtClean="0"/>
-              <a:t>Questions</a:t>
-            </a:r>
-            <a:endParaRPr lang="de-CH" dirty="0"/>
-          </a:p>
-        </p:txBody>
-      </p:sp>
-      <p:sp>
-        <p:nvSpPr>
-          <p:cNvPr id="3" name="Inhaltsplatzhalter 2"/>
-          <p:cNvSpPr>
-            <a:spLocks noGrp="1"/>
-          </p:cNvSpPr>
-          <p:nvPr>
-            <p:ph idx="1"/>
-          </p:nvPr>
-        </p:nvSpPr>
-        <p:spPr/>
-        <p:txBody>
-          <a:bodyPr/>
-          <a:lstStyle/>
-          <a:p>
-            <a:r>
-              <a:rPr lang="en-US" dirty="0" smtClean="0"/>
-              <a:t>Why ignoring folders in a repository is useful?</a:t>
-            </a:r>
-          </a:p>
-          <a:p>
-            <a:pPr lvl="1"/>
-            <a:r>
-              <a:rPr lang="en-US" dirty="0" smtClean="0"/>
-              <a:t>Same reasons as for files</a:t>
-            </a:r>
-          </a:p>
-          <a:p>
-            <a:pPr lvl="1"/>
-            <a:r>
-              <a:rPr lang="en-US" dirty="0" smtClean="0"/>
-              <a:t> No need to explicit ignore every file in folder</a:t>
-            </a:r>
-            <a:endParaRPr lang="de-CH" dirty="0"/>
+              <a:rPr lang="de-CH" b="1" dirty="0" err="1" smtClean="0"/>
+              <a:t>Github</a:t>
+            </a:r>
+            <a:endParaRPr lang="de-CH" b="1" dirty="0"/>
+          </a:p>
+        </p:txBody>
+      </p:sp>
+      <p:sp>
+        <p:nvSpPr>
+          <p:cNvPr id="3" name="Textfeld 2"/>
+          <p:cNvSpPr txBox="1"/>
+          <p:nvPr/>
+        </p:nvSpPr>
+        <p:spPr>
+          <a:xfrm>
+            <a:off x="665359" y="1484784"/>
+            <a:ext cx="7632848" cy="1815882"/>
+          </a:xfrm>
+          <a:prstGeom prst="rect">
+            <a:avLst/>
+          </a:prstGeom>
+          <a:noFill/>
+        </p:spPr>
+        <p:txBody>
+          <a:bodyPr wrap="square" rtlCol="0">
+            <a:spAutoFit/>
+          </a:bodyPr>
+          <a:lstStyle/>
+          <a:p>
+            <a:pPr marL="285750" indent="-285750">
+              <a:buFontTx/>
+              <a:buChar char="-"/>
+            </a:pPr>
+            <a:r>
+              <a:rPr lang="de-CH" sz="2800" dirty="0" smtClean="0"/>
+              <a:t>Remote Repository </a:t>
+            </a:r>
+            <a:r>
+              <a:rPr lang="de-CH" sz="2800" dirty="0" err="1" smtClean="0"/>
+              <a:t>for</a:t>
+            </a:r>
+            <a:r>
+              <a:rPr lang="de-CH" sz="2800" dirty="0" smtClean="0"/>
+              <a:t> Version Control</a:t>
+            </a:r>
+          </a:p>
+          <a:p>
+            <a:pPr marL="285750" indent="-285750">
+              <a:buFontTx/>
+              <a:buChar char="-"/>
+            </a:pPr>
+            <a:r>
+              <a:rPr lang="de-CH" sz="2800" dirty="0" err="1" smtClean="0"/>
+              <a:t>Everything</a:t>
+            </a:r>
+            <a:r>
+              <a:rPr lang="de-CH" sz="2800" dirty="0" smtClean="0"/>
+              <a:t> </a:t>
+            </a:r>
+            <a:r>
+              <a:rPr lang="de-CH" sz="2800" dirty="0" err="1" smtClean="0"/>
+              <a:t>is</a:t>
+            </a:r>
+            <a:r>
+              <a:rPr lang="de-CH" sz="2800" dirty="0" smtClean="0"/>
+              <a:t> </a:t>
+            </a:r>
+            <a:r>
+              <a:rPr lang="de-CH" sz="2800" dirty="0" err="1" smtClean="0"/>
+              <a:t>public</a:t>
+            </a:r>
+            <a:r>
+              <a:rPr lang="de-CH" sz="2800" dirty="0" smtClean="0"/>
+              <a:t> (</a:t>
+            </a:r>
+            <a:r>
+              <a:rPr lang="de-CH" sz="2800" dirty="0" err="1" smtClean="0"/>
+              <a:t>for</a:t>
+            </a:r>
+            <a:r>
+              <a:rPr lang="de-CH" sz="2800" dirty="0" smtClean="0"/>
+              <a:t> </a:t>
+            </a:r>
+            <a:r>
+              <a:rPr lang="de-CH" sz="2800" dirty="0" err="1" smtClean="0"/>
+              <a:t>free</a:t>
+            </a:r>
+            <a:r>
+              <a:rPr lang="de-CH" sz="2800" dirty="0" smtClean="0"/>
+              <a:t>)</a:t>
+            </a:r>
+          </a:p>
+          <a:p>
+            <a:pPr marL="285750" indent="-285750">
+              <a:buFontTx/>
+              <a:buChar char="-"/>
+            </a:pPr>
+            <a:r>
+              <a:rPr lang="de-CH" sz="2800" dirty="0" smtClean="0"/>
+              <a:t>Private </a:t>
+            </a:r>
+            <a:r>
+              <a:rPr lang="de-CH" sz="2800" dirty="0" err="1" smtClean="0"/>
+              <a:t>with</a:t>
+            </a:r>
+            <a:r>
+              <a:rPr lang="de-CH" sz="2800" dirty="0" smtClean="0"/>
+              <a:t> </a:t>
+            </a:r>
+            <a:r>
+              <a:rPr lang="de-CH" sz="2800" dirty="0" err="1" smtClean="0"/>
+              <a:t>owner</a:t>
+            </a:r>
+            <a:r>
+              <a:rPr lang="de-CH" sz="2800" dirty="0" smtClean="0"/>
+              <a:t> </a:t>
+            </a:r>
+            <a:r>
+              <a:rPr lang="de-CH" sz="2800" dirty="0" err="1" smtClean="0"/>
+              <a:t>control</a:t>
+            </a:r>
+            <a:r>
+              <a:rPr lang="de-CH" sz="2800" dirty="0" smtClean="0"/>
+              <a:t> </a:t>
+            </a:r>
+            <a:r>
+              <a:rPr lang="de-CH" sz="2800" dirty="0" err="1" smtClean="0"/>
+              <a:t>access</a:t>
+            </a:r>
+            <a:r>
+              <a:rPr lang="de-CH" sz="2800" dirty="0" smtClean="0"/>
+              <a:t> (NOT </a:t>
+            </a:r>
+            <a:r>
+              <a:rPr lang="de-CH" sz="2800" dirty="0" err="1" smtClean="0"/>
+              <a:t>for</a:t>
+            </a:r>
+            <a:r>
+              <a:rPr lang="de-CH" sz="2800" dirty="0" smtClean="0"/>
+              <a:t> </a:t>
+            </a:r>
+            <a:r>
+              <a:rPr lang="de-CH" sz="2800" dirty="0" err="1" smtClean="0"/>
+              <a:t>free</a:t>
+            </a:r>
+            <a:r>
+              <a:rPr lang="de-CH" sz="2800" dirty="0" smtClean="0"/>
+              <a:t>)</a:t>
+            </a:r>
+            <a:endParaRPr lang="de-CH" sz="2800" dirty="0"/>
+          </a:p>
+          <a:p>
+            <a:pPr marL="285750" indent="-285750">
+              <a:buFontTx/>
+              <a:buChar char="-"/>
+            </a:pPr>
+            <a:r>
+              <a:rPr lang="de-CH" sz="2800" dirty="0" smtClean="0"/>
+              <a:t>Client </a:t>
+            </a:r>
+            <a:r>
+              <a:rPr lang="de-CH" sz="2800" dirty="0" err="1" smtClean="0"/>
+              <a:t>needed</a:t>
+            </a:r>
+            <a:r>
+              <a:rPr lang="de-CH" sz="2800" dirty="0" smtClean="0"/>
+              <a:t> on Computer (</a:t>
+            </a:r>
+            <a:r>
+              <a:rPr lang="de-CH" sz="2800" dirty="0" err="1" smtClean="0"/>
+              <a:t>SourceTree</a:t>
+            </a:r>
+            <a:r>
+              <a:rPr lang="de-CH" sz="2800" dirty="0" smtClean="0"/>
+              <a:t>)</a:t>
+            </a:r>
           </a:p>
         </p:txBody>
       </p:sp>
     </p:spTree>
     <p:extLst>
       <p:ext uri="{BB962C8B-B14F-4D97-AF65-F5344CB8AC3E}">
-        <p14:creationId xmlns:p14="http://schemas.microsoft.com/office/powerpoint/2010/main" val="2986942910"/>
+        <p14:creationId xmlns:p14="http://schemas.microsoft.com/office/powerpoint/2010/main" val="629249980"/>
       </p:ext>
     </p:extLst>
   </p:cSld>
@@ -3649,69 +4550,64 @@
           <a:chExt cx="0" cy="0"/>
         </a:xfrm>
       </p:grpSpPr>
-      <p:sp>
-        <p:nvSpPr>
-          <p:cNvPr id="2" name="Titel 1"/>
-          <p:cNvSpPr>
-            <a:spLocks noGrp="1"/>
-          </p:cNvSpPr>
-          <p:nvPr>
-            <p:ph type="title"/>
-          </p:nvPr>
-        </p:nvSpPr>
-        <p:spPr/>
-        <p:txBody>
-          <a:bodyPr/>
-          <a:lstStyle/>
-          <a:p>
-            <a:r>
-              <a:rPr lang="de-CH" dirty="0" err="1" smtClean="0"/>
-              <a:t>Questions</a:t>
-            </a:r>
-            <a:endParaRPr lang="de-CH" dirty="0"/>
-          </a:p>
-        </p:txBody>
-      </p:sp>
-      <p:sp>
-        <p:nvSpPr>
-          <p:cNvPr id="3" name="Inhaltsplatzhalter 2"/>
-          <p:cNvSpPr>
-            <a:spLocks noGrp="1"/>
-          </p:cNvSpPr>
-          <p:nvPr>
-            <p:ph idx="1"/>
-          </p:nvPr>
-        </p:nvSpPr>
-        <p:spPr/>
-        <p:txBody>
-          <a:bodyPr/>
-          <a:lstStyle/>
-          <a:p>
-            <a:r>
-              <a:rPr lang="en-US" dirty="0" smtClean="0"/>
-              <a:t>Why should you separate the Eclipse workspace from the projects?</a:t>
-            </a:r>
-          </a:p>
-          <a:p>
-            <a:pPr lvl="1"/>
-            <a:r>
-              <a:rPr lang="en-US" dirty="0" smtClean="0"/>
-              <a:t>You do not want to commit the workspace files</a:t>
-            </a:r>
-          </a:p>
-          <a:p>
-            <a:pPr lvl="1"/>
-            <a:r>
-              <a:rPr lang="en-US" dirty="0" smtClean="0"/>
-              <a:t>Workspace is unique to your machine</a:t>
-            </a:r>
-          </a:p>
-        </p:txBody>
-      </p:sp>
+      <p:pic>
+        <p:nvPicPr>
+          <p:cNvPr id="4098" name="Picture 2"/>
+          <p:cNvPicPr>
+            <a:picLocks noChangeAspect="1" noChangeArrowheads="1"/>
+          </p:cNvPicPr>
+          <p:nvPr/>
+        </p:nvPicPr>
+        <p:blipFill>
+          <a:blip r:embed="rId2">
+            <a:extLst>
+              <a:ext uri="{28A0092B-C50C-407E-A947-70E740481C1C}">
+                <a14:useLocalDpi xmlns:a14="http://schemas.microsoft.com/office/drawing/2010/main" val="0"/>
+              </a:ext>
+            </a:extLst>
+          </a:blip>
+          <a:srcRect/>
+          <a:stretch>
+            <a:fillRect/>
+          </a:stretch>
+        </p:blipFill>
+        <p:spPr bwMode="auto">
+          <a:xfrm>
+            <a:off x="611560" y="116632"/>
+            <a:ext cx="7992888" cy="6698040"/>
+          </a:xfrm>
+          <a:prstGeom prst="rect">
+            <a:avLst/>
+          </a:prstGeom>
+          <a:noFill/>
+          <a:ln>
+            <a:noFill/>
+          </a:ln>
+          <a:extLst>
+            <a:ext uri="{909E8E84-426E-40DD-AFC4-6F175D3DCCD1}">
+              <a14:hiddenFill xmlns:a14="http://schemas.microsoft.com/office/drawing/2010/main">
+                <a:solidFill>
+                  <a:schemeClr val="accent1"/>
+                </a:solidFill>
+              </a14:hiddenFill>
+            </a:ext>
+            <a:ext uri="{91240B29-F687-4F45-9708-019B960494DF}">
+              <a14:hiddenLine xmlns:a14="http://schemas.microsoft.com/office/drawing/2010/main" w="9525">
+                <a:solidFill>
+                  <a:schemeClr val="tx1"/>
+                </a:solidFill>
+                <a:miter lim="800000"/>
+                <a:headEnd/>
+                <a:tailEnd/>
+              </a14:hiddenLine>
+            </a:ext>
+          </a:extLst>
+        </p:spPr>
+      </p:pic>
     </p:spTree>
     <p:extLst>
       <p:ext uri="{BB962C8B-B14F-4D97-AF65-F5344CB8AC3E}">
-        <p14:creationId xmlns:p14="http://schemas.microsoft.com/office/powerpoint/2010/main" val="2986942910"/>
+        <p14:creationId xmlns:p14="http://schemas.microsoft.com/office/powerpoint/2010/main" val="972033816"/>
       </p:ext>
     </p:extLst>
   </p:cSld>
@@ -3748,76 +4644,379 @@
             <p:ph type="title"/>
           </p:nvPr>
         </p:nvSpPr>
-        <p:spPr/>
-        <p:txBody>
-          <a:bodyPr/>
-          <a:lstStyle/>
-          <a:p>
-            <a:r>
-              <a:rPr lang="de-CH" dirty="0" err="1" smtClean="0"/>
-              <a:t>Questions</a:t>
-            </a:r>
-            <a:endParaRPr lang="de-CH" dirty="0"/>
-          </a:p>
-        </p:txBody>
-      </p:sp>
-      <p:sp>
-        <p:nvSpPr>
-          <p:cNvPr id="3" name="Inhaltsplatzhalter 2"/>
-          <p:cNvSpPr>
-            <a:spLocks noGrp="1"/>
-          </p:cNvSpPr>
-          <p:nvPr>
-            <p:ph idx="1"/>
-          </p:nvPr>
-        </p:nvSpPr>
-        <p:spPr/>
-        <p:txBody>
-          <a:bodyPr/>
-          <a:lstStyle/>
-          <a:p>
-            <a:r>
-              <a:rPr lang="en-US" dirty="0" smtClean="0"/>
-              <a:t>Why it can make sense to have multiple VCS clients installed (e.g. </a:t>
-            </a:r>
-            <a:r>
-              <a:rPr lang="en-US" dirty="0" err="1" smtClean="0"/>
-              <a:t>TortoiseGit</a:t>
-            </a:r>
-            <a:r>
-              <a:rPr lang="en-US" dirty="0" smtClean="0"/>
-              <a:t> and </a:t>
-            </a:r>
-            <a:r>
-              <a:rPr lang="en-US" dirty="0" err="1" smtClean="0"/>
-              <a:t>SourceTree</a:t>
-            </a:r>
-            <a:r>
-              <a:rPr lang="en-US" dirty="0" smtClean="0"/>
-              <a:t>)? </a:t>
-            </a:r>
-          </a:p>
-          <a:p>
-            <a:pPr lvl="1"/>
-            <a:r>
-              <a:rPr lang="en-US" dirty="0" smtClean="0"/>
-              <a:t>Different clients support different VCS</a:t>
-            </a:r>
-          </a:p>
-          <a:p>
-            <a:pPr lvl="1"/>
-            <a:r>
-              <a:rPr lang="en-US" dirty="0" smtClean="0"/>
-              <a:t>Different range of functionality</a:t>
-            </a:r>
-            <a:endParaRPr lang="de-CH" dirty="0"/>
+        <p:spPr>
+          <a:xfrm>
+            <a:off x="421196" y="0"/>
+            <a:ext cx="8229600" cy="908720"/>
+          </a:xfrm>
+        </p:spPr>
+        <p:txBody>
+          <a:bodyPr/>
+          <a:lstStyle/>
+          <a:p>
+            <a:r>
+              <a:rPr lang="de-CH" b="1" dirty="0" smtClean="0"/>
+              <a:t>.</a:t>
+            </a:r>
+            <a:r>
+              <a:rPr lang="de-CH" b="1" dirty="0" err="1" smtClean="0"/>
+              <a:t>gitignore</a:t>
+            </a:r>
+            <a:r>
+              <a:rPr lang="de-CH" b="1" dirty="0" smtClean="0"/>
+              <a:t> - File</a:t>
+            </a:r>
+            <a:endParaRPr lang="de-CH" b="1" dirty="0"/>
+          </a:p>
+        </p:txBody>
+      </p:sp>
+      <p:pic>
+        <p:nvPicPr>
+          <p:cNvPr id="3" name="Picture 2"/>
+          <p:cNvPicPr>
+            <a:picLocks noChangeAspect="1" noChangeArrowheads="1"/>
+          </p:cNvPicPr>
+          <p:nvPr/>
+        </p:nvPicPr>
+        <p:blipFill>
+          <a:blip r:embed="rId2">
+            <a:extLst>
+              <a:ext uri="{28A0092B-C50C-407E-A947-70E740481C1C}">
+                <a14:useLocalDpi xmlns:a14="http://schemas.microsoft.com/office/drawing/2010/main" val="0"/>
+              </a:ext>
+            </a:extLst>
+          </a:blip>
+          <a:srcRect/>
+          <a:stretch>
+            <a:fillRect/>
+          </a:stretch>
+        </p:blipFill>
+        <p:spPr bwMode="auto">
+          <a:xfrm>
+            <a:off x="2267744" y="3324178"/>
+            <a:ext cx="4492370" cy="3396670"/>
+          </a:xfrm>
+          <a:prstGeom prst="rect">
+            <a:avLst/>
+          </a:prstGeom>
+          <a:noFill/>
+          <a:ln>
+            <a:noFill/>
+          </a:ln>
+          <a:extLst>
+            <a:ext uri="{909E8E84-426E-40DD-AFC4-6F175D3DCCD1}">
+              <a14:hiddenFill xmlns:a14="http://schemas.microsoft.com/office/drawing/2010/main">
+                <a:solidFill>
+                  <a:schemeClr val="accent1"/>
+                </a:solidFill>
+              </a14:hiddenFill>
+            </a:ext>
+            <a:ext uri="{91240B29-F687-4F45-9708-019B960494DF}">
+              <a14:hiddenLine xmlns:a14="http://schemas.microsoft.com/office/drawing/2010/main" w="9525">
+                <a:solidFill>
+                  <a:schemeClr val="tx1"/>
+                </a:solidFill>
+                <a:miter lim="800000"/>
+                <a:headEnd/>
+                <a:tailEnd/>
+              </a14:hiddenLine>
+            </a:ext>
+          </a:extLst>
+        </p:spPr>
+      </p:pic>
+      <p:sp>
+        <p:nvSpPr>
+          <p:cNvPr id="4" name="Textfeld 3"/>
+          <p:cNvSpPr txBox="1"/>
+          <p:nvPr/>
+        </p:nvSpPr>
+        <p:spPr>
+          <a:xfrm>
+            <a:off x="323528" y="1124744"/>
+            <a:ext cx="8568952" cy="1938992"/>
+          </a:xfrm>
+          <a:prstGeom prst="rect">
+            <a:avLst/>
+          </a:prstGeom>
+          <a:noFill/>
+        </p:spPr>
+        <p:txBody>
+          <a:bodyPr wrap="square" rtlCol="0">
+            <a:spAutoFit/>
+          </a:bodyPr>
+          <a:lstStyle/>
+          <a:p>
+            <a:pPr marL="457200" indent="-457200">
+              <a:buFontTx/>
+              <a:buChar char="-"/>
+            </a:pPr>
+            <a:r>
+              <a:rPr lang="de-CH" sz="2400" dirty="0" err="1" smtClean="0"/>
+              <a:t>Define</a:t>
+            </a:r>
+            <a:r>
+              <a:rPr lang="de-CH" sz="2400" dirty="0" smtClean="0"/>
+              <a:t> </a:t>
+            </a:r>
+            <a:r>
+              <a:rPr lang="de-CH" sz="2400" dirty="0" err="1" smtClean="0"/>
+              <a:t>files</a:t>
+            </a:r>
+            <a:r>
+              <a:rPr lang="de-CH" sz="2400" dirty="0" smtClean="0"/>
+              <a:t> </a:t>
+            </a:r>
+            <a:r>
+              <a:rPr lang="de-CH" sz="2400" dirty="0" err="1" smtClean="0"/>
+              <a:t>and</a:t>
+            </a:r>
+            <a:r>
+              <a:rPr lang="de-CH" sz="2400" dirty="0" smtClean="0"/>
+              <a:t> </a:t>
+            </a:r>
+            <a:r>
+              <a:rPr lang="de-CH" sz="2400" dirty="0" err="1" smtClean="0"/>
+              <a:t>folders</a:t>
+            </a:r>
+            <a:r>
+              <a:rPr lang="de-CH" sz="2400" dirty="0" smtClean="0"/>
+              <a:t> </a:t>
+            </a:r>
+            <a:r>
+              <a:rPr lang="de-CH" sz="2400" dirty="0" err="1" smtClean="0"/>
+              <a:t>which</a:t>
+            </a:r>
+            <a:r>
+              <a:rPr lang="de-CH" sz="2400" dirty="0" smtClean="0"/>
+              <a:t> </a:t>
+            </a:r>
+            <a:r>
+              <a:rPr lang="de-CH" sz="2400" dirty="0" err="1" smtClean="0"/>
+              <a:t>shall</a:t>
+            </a:r>
+            <a:r>
+              <a:rPr lang="de-CH" sz="2400" dirty="0" smtClean="0"/>
+              <a:t> not </a:t>
+            </a:r>
+            <a:r>
+              <a:rPr lang="de-CH" sz="2400" dirty="0" err="1" smtClean="0"/>
+              <a:t>be</a:t>
+            </a:r>
+            <a:r>
+              <a:rPr lang="de-CH" sz="2400" dirty="0" smtClean="0"/>
+              <a:t> </a:t>
+            </a:r>
+            <a:r>
+              <a:rPr lang="de-CH" sz="2400" dirty="0" err="1" smtClean="0"/>
+              <a:t>pushed</a:t>
+            </a:r>
+            <a:r>
+              <a:rPr lang="de-CH" sz="2400" dirty="0" smtClean="0"/>
+              <a:t> </a:t>
+            </a:r>
+            <a:r>
+              <a:rPr lang="de-CH" sz="2400" dirty="0" err="1" smtClean="0"/>
+              <a:t>and</a:t>
+            </a:r>
+            <a:r>
+              <a:rPr lang="de-CH" sz="2400" dirty="0" smtClean="0"/>
+              <a:t> </a:t>
+            </a:r>
+            <a:r>
+              <a:rPr lang="de-CH" sz="2400" dirty="0" err="1" smtClean="0"/>
+              <a:t>pulled</a:t>
+            </a:r>
+            <a:r>
+              <a:rPr lang="de-CH" sz="2400" dirty="0" smtClean="0"/>
+              <a:t> </a:t>
+            </a:r>
+            <a:r>
+              <a:rPr lang="de-CH" sz="2400" dirty="0" err="1" smtClean="0"/>
+              <a:t>to</a:t>
+            </a:r>
+            <a:r>
+              <a:rPr lang="de-CH" sz="2400" dirty="0" smtClean="0"/>
+              <a:t>/</a:t>
+            </a:r>
+            <a:r>
+              <a:rPr lang="de-CH" sz="2400" dirty="0" err="1" smtClean="0"/>
+              <a:t>from</a:t>
+            </a:r>
+            <a:r>
+              <a:rPr lang="de-CH" sz="2400" dirty="0" smtClean="0"/>
+              <a:t> </a:t>
+            </a:r>
+            <a:r>
+              <a:rPr lang="de-CH" sz="2400" dirty="0" err="1" smtClean="0"/>
+              <a:t>the</a:t>
+            </a:r>
+            <a:r>
+              <a:rPr lang="de-CH" sz="2400" dirty="0" smtClean="0"/>
+              <a:t> remote </a:t>
+            </a:r>
+            <a:r>
+              <a:rPr lang="de-CH" sz="2400" dirty="0" err="1" smtClean="0"/>
+              <a:t>repository</a:t>
+            </a:r>
+            <a:endParaRPr lang="de-CH" sz="2400" dirty="0" smtClean="0"/>
+          </a:p>
+          <a:p>
+            <a:pPr marL="457200" indent="-457200">
+              <a:buFontTx/>
+              <a:buChar char="-"/>
+            </a:pPr>
+            <a:r>
+              <a:rPr lang="de-CH" sz="2400" dirty="0" err="1" smtClean="0"/>
+              <a:t>We</a:t>
+            </a:r>
+            <a:r>
+              <a:rPr lang="de-CH" sz="2400" dirty="0" smtClean="0"/>
+              <a:t> </a:t>
+            </a:r>
+            <a:r>
+              <a:rPr lang="de-CH" sz="2400" dirty="0" err="1" smtClean="0"/>
+              <a:t>share</a:t>
+            </a:r>
+            <a:r>
+              <a:rPr lang="de-CH" sz="2400" dirty="0" smtClean="0"/>
+              <a:t> </a:t>
+            </a:r>
+            <a:r>
+              <a:rPr lang="de-CH" sz="2400" dirty="0" err="1" smtClean="0"/>
+              <a:t>everything</a:t>
+            </a:r>
+            <a:r>
+              <a:rPr lang="de-CH" sz="2400" dirty="0" smtClean="0"/>
+              <a:t> </a:t>
+            </a:r>
+            <a:r>
+              <a:rPr lang="de-CH" sz="2400" dirty="0" err="1" smtClean="0"/>
+              <a:t>which</a:t>
+            </a:r>
+            <a:r>
+              <a:rPr lang="de-CH" sz="2400" dirty="0" smtClean="0"/>
+              <a:t> </a:t>
+            </a:r>
+            <a:r>
+              <a:rPr lang="de-CH" sz="2400" dirty="0" err="1" smtClean="0"/>
+              <a:t>is</a:t>
+            </a:r>
+            <a:r>
+              <a:rPr lang="de-CH" sz="2400" dirty="0" smtClean="0"/>
+              <a:t> </a:t>
+            </a:r>
+            <a:r>
+              <a:rPr lang="de-CH" sz="2400" dirty="0" err="1" smtClean="0"/>
+              <a:t>needed</a:t>
+            </a:r>
+            <a:r>
+              <a:rPr lang="de-CH" sz="2400" dirty="0" smtClean="0"/>
+              <a:t> </a:t>
+            </a:r>
+            <a:r>
+              <a:rPr lang="de-CH" sz="2400" dirty="0" err="1" smtClean="0"/>
+              <a:t>to</a:t>
+            </a:r>
+            <a:r>
+              <a:rPr lang="de-CH" sz="2400" dirty="0" smtClean="0"/>
+              <a:t> </a:t>
+            </a:r>
+            <a:r>
+              <a:rPr lang="de-CH" sz="2400" dirty="0" err="1" smtClean="0"/>
+              <a:t>build</a:t>
+            </a:r>
+            <a:r>
+              <a:rPr lang="de-CH" sz="2400" dirty="0" smtClean="0"/>
+              <a:t> </a:t>
+            </a:r>
+            <a:r>
+              <a:rPr lang="de-CH" sz="2400" dirty="0" err="1" smtClean="0"/>
+              <a:t>the</a:t>
+            </a:r>
+            <a:r>
+              <a:rPr lang="de-CH" sz="2400" dirty="0" smtClean="0"/>
+              <a:t> </a:t>
+            </a:r>
+            <a:r>
+              <a:rPr lang="de-CH" sz="2400" dirty="0" err="1" smtClean="0"/>
+              <a:t>project</a:t>
+            </a:r>
+            <a:endParaRPr lang="de-CH" sz="2400" dirty="0"/>
+          </a:p>
+          <a:p>
+            <a:r>
+              <a:rPr lang="de-CH" sz="2400" dirty="0" smtClean="0"/>
+              <a:t>	(.</a:t>
+            </a:r>
+            <a:r>
+              <a:rPr lang="de-CH" sz="2400" dirty="0" err="1" smtClean="0"/>
+              <a:t>project</a:t>
+            </a:r>
+            <a:r>
+              <a:rPr lang="de-CH" sz="2400" dirty="0" smtClean="0"/>
+              <a:t>, .</a:t>
+            </a:r>
+            <a:r>
+              <a:rPr lang="de-CH" sz="2400" dirty="0" err="1" smtClean="0"/>
+              <a:t>cproject</a:t>
+            </a:r>
+            <a:r>
+              <a:rPr lang="de-CH" sz="2400" dirty="0" smtClean="0"/>
+              <a:t>, *.c, *.h, *.</a:t>
+            </a:r>
+            <a:r>
+              <a:rPr lang="de-CH" sz="2400" dirty="0" err="1" smtClean="0"/>
+              <a:t>launch</a:t>
+            </a:r>
+            <a:r>
+              <a:rPr lang="de-CH" sz="2400" dirty="0" smtClean="0"/>
+              <a:t>, </a:t>
+            </a:r>
+            <a:r>
+              <a:rPr lang="de-CH" sz="2400" dirty="0" err="1" smtClean="0"/>
+              <a:t>Project_Settings</a:t>
+            </a:r>
+            <a:r>
+              <a:rPr lang="de-CH" sz="2400" dirty="0" smtClean="0"/>
+              <a:t>,</a:t>
+            </a:r>
+          </a:p>
+          <a:p>
+            <a:r>
+              <a:rPr lang="de-CH" sz="2400" dirty="0" smtClean="0"/>
+              <a:t>	Special </a:t>
+            </a:r>
+            <a:r>
+              <a:rPr lang="de-CH" sz="2400" dirty="0" err="1" smtClean="0"/>
+              <a:t>rules</a:t>
+            </a:r>
+            <a:r>
+              <a:rPr lang="de-CH" sz="2400" dirty="0" smtClean="0"/>
+              <a:t> </a:t>
+            </a:r>
+            <a:r>
+              <a:rPr lang="de-CH" sz="2400" dirty="0" err="1" smtClean="0"/>
+              <a:t>for</a:t>
+            </a:r>
+            <a:r>
+              <a:rPr lang="de-CH" sz="2400" dirty="0" smtClean="0"/>
+              <a:t> ProcessorExpert.pe </a:t>
+            </a:r>
+            <a:r>
+              <a:rPr lang="de-CH" sz="2400" dirty="0" err="1" smtClean="0"/>
+              <a:t>needed</a:t>
+            </a:r>
+            <a:r>
+              <a:rPr lang="de-CH" sz="2400" dirty="0" smtClean="0"/>
+              <a:t>!!! )</a:t>
+            </a:r>
           </a:p>
         </p:txBody>
       </p:sp>
     </p:spTree>
     <p:extLst>
       <p:ext uri="{BB962C8B-B14F-4D97-AF65-F5344CB8AC3E}">
-        <p14:creationId xmlns:p14="http://schemas.microsoft.com/office/powerpoint/2010/main" val="2986942910"/>
+        <p14:creationId xmlns:p14="http://schemas.microsoft.com/office/powerpoint/2010/main" val="566557338"/>
       </p:ext>
     </p:extLst>
   </p:cSld>
@@ -3854,78 +5053,90 @@
             <p:ph type="title"/>
           </p:nvPr>
         </p:nvSpPr>
-        <p:spPr/>
-        <p:txBody>
-          <a:bodyPr/>
-          <a:lstStyle/>
-          <a:p>
+        <p:spPr>
+          <a:xfrm>
+            <a:off x="474948" y="130621"/>
+            <a:ext cx="8229600" cy="778098"/>
+          </a:xfrm>
+        </p:spPr>
+        <p:txBody>
+          <a:bodyPr/>
+          <a:lstStyle/>
+          <a:p>
+            <a:r>
+              <a:rPr lang="de-CH" dirty="0" smtClean="0"/>
+              <a:t>Common Folder </a:t>
+            </a:r>
             <a:r>
               <a:rPr lang="de-CH" dirty="0" err="1" smtClean="0"/>
-              <a:t>Questions</a:t>
+              <a:t>with</a:t>
+            </a:r>
+            <a:r>
+              <a:rPr lang="de-CH" dirty="0" smtClean="0"/>
+              <a:t> Links</a:t>
             </a:r>
             <a:endParaRPr lang="de-CH" dirty="0"/>
           </a:p>
         </p:txBody>
       </p:sp>
-      <p:sp>
-        <p:nvSpPr>
-          <p:cNvPr id="3" name="Inhaltsplatzhalter 2"/>
-          <p:cNvSpPr>
-            <a:spLocks noGrp="1"/>
-          </p:cNvSpPr>
-          <p:nvPr>
-            <p:ph idx="1"/>
-          </p:nvPr>
-        </p:nvSpPr>
-        <p:spPr/>
-        <p:txBody>
-          <a:bodyPr/>
-          <a:lstStyle/>
-          <a:p>
-            <a:r>
-              <a:rPr lang="en-US" dirty="0" smtClean="0"/>
-              <a:t>• How can you create a conflict yourself?</a:t>
-            </a:r>
-          </a:p>
-          <a:p>
-            <a:pPr lvl="1"/>
-            <a:r>
-              <a:rPr lang="en-US" dirty="0" smtClean="0"/>
-              <a:t>Create two clones</a:t>
-            </a:r>
-          </a:p>
-          <a:p>
-            <a:pPr lvl="1"/>
-            <a:r>
-              <a:rPr lang="en-US" dirty="0" smtClean="0"/>
-              <a:t>Edit the same file in both clones (also check that you edit the same lines)</a:t>
-            </a:r>
-          </a:p>
-          <a:p>
-            <a:pPr lvl="1"/>
-            <a:r>
-              <a:rPr lang="en-US" dirty="0" smtClean="0"/>
-              <a:t>Commit on both clones</a:t>
-            </a:r>
-          </a:p>
-          <a:p>
-            <a:pPr lvl="1"/>
-            <a:r>
-              <a:rPr lang="en-US" dirty="0" smtClean="0"/>
-              <a:t>Push on both clones (the later push will create the conflict)</a:t>
-            </a:r>
-            <a:endParaRPr lang="en-US" dirty="0" smtClean="0"/>
-          </a:p>
-          <a:p>
-            <a:pPr lvl="1"/>
-            <a:endParaRPr lang="de-CH" dirty="0"/>
-          </a:p>
-        </p:txBody>
-      </p:sp>
+      <p:pic>
+        <p:nvPicPr>
+          <p:cNvPr id="3074" name="Picture 2"/>
+          <p:cNvPicPr>
+            <a:picLocks noChangeAspect="1" noChangeArrowheads="1"/>
+          </p:cNvPicPr>
+          <p:nvPr/>
+        </p:nvPicPr>
+        <p:blipFill>
+          <a:blip r:embed="rId2">
+            <a:extLst>
+              <a:ext uri="{28A0092B-C50C-407E-A947-70E740481C1C}">
+                <a14:useLocalDpi xmlns:a14="http://schemas.microsoft.com/office/drawing/2010/main" val="0"/>
+              </a:ext>
+            </a:extLst>
+          </a:blip>
+          <a:srcRect/>
+          <a:stretch>
+            <a:fillRect/>
+          </a:stretch>
+        </p:blipFill>
+        <p:spPr bwMode="auto">
+          <a:xfrm>
+            <a:off x="251520" y="908719"/>
+            <a:ext cx="8676456" cy="5856447"/>
+          </a:xfrm>
+          <a:prstGeom prst="rect">
+            <a:avLst/>
+          </a:prstGeom>
+          <a:noFill/>
+          <a:ln>
+            <a:noFill/>
+          </a:ln>
+          <a:extLst>
+            <a:ext uri="{909E8E84-426E-40DD-AFC4-6F175D3DCCD1}">
+              <a14:hiddenFill xmlns:a14="http://schemas.microsoft.com/office/drawing/2010/main">
+                <a:solidFill>
+                  <a:schemeClr val="accent1"/>
+                </a:solidFill>
+              </a14:hiddenFill>
+            </a:ext>
+            <a:ext uri="{91240B29-F687-4F45-9708-019B960494DF}">
+              <a14:hiddenLine xmlns:a14="http://schemas.microsoft.com/office/drawing/2010/main" w="9525">
+                <a:solidFill>
+                  <a:schemeClr val="tx1"/>
+                </a:solidFill>
+                <a:miter lim="800000"/>
+                <a:headEnd/>
+                <a:tailEnd/>
+              </a14:hiddenLine>
+            </a:ext>
+          </a:extLst>
+        </p:spPr>
+      </p:pic>
     </p:spTree>
     <p:extLst>
       <p:ext uri="{BB962C8B-B14F-4D97-AF65-F5344CB8AC3E}">
-        <p14:creationId xmlns:p14="http://schemas.microsoft.com/office/powerpoint/2010/main" val="2986942910"/>
+        <p14:creationId xmlns:p14="http://schemas.microsoft.com/office/powerpoint/2010/main" val="2192377464"/>
       </p:ext>
     </p:extLst>
   </p:cSld>
@@ -3992,26 +5203,35 @@
           <a:p>
             <a:r>
               <a:rPr lang="en-US" dirty="0" smtClean="0"/>
-              <a:t>• Do you need a server to use </a:t>
-            </a:r>
-            <a:r>
-              <a:rPr lang="en-US" dirty="0" err="1" smtClean="0"/>
-              <a:t>Git</a:t>
-            </a:r>
+              <a:t>Why do we need to ignore files?</a:t>
+            </a:r>
+          </a:p>
+          <a:p>
+            <a:pPr lvl="1"/>
             <a:r>
               <a:rPr lang="en-US" dirty="0" smtClean="0"/>
-              <a:t>?</a:t>
+              <a:t>Telling the VCS to not check in files</a:t>
+            </a:r>
+          </a:p>
+          <a:p>
+            <a:pPr lvl="2"/>
+            <a:r>
+              <a:rPr lang="en-US" dirty="0" smtClean="0"/>
+              <a:t>You don’t need to put all files in the repo. (Auto generated ones)</a:t>
             </a:r>
           </a:p>
           <a:p>
             <a:pPr lvl="1"/>
             <a:r>
               <a:rPr lang="en-US" dirty="0" smtClean="0"/>
-              <a:t>No. You can create a local </a:t>
-            </a:r>
+              <a:t>Saves space on the VCS</a:t>
+            </a:r>
+          </a:p>
+          <a:p>
+            <a:pPr lvl="1"/>
             <a:r>
               <a:rPr lang="en-US" dirty="0" smtClean="0"/>
-              <a:t>repository</a:t>
+              <a:t>Reduces conflicts</a:t>
             </a:r>
             <a:endParaRPr lang="de-CH" dirty="0"/>
           </a:p>
@@ -4020,7 +5240,7 @@
     </p:spTree>
     <p:extLst>
       <p:ext uri="{BB962C8B-B14F-4D97-AF65-F5344CB8AC3E}">
-        <p14:creationId xmlns:p14="http://schemas.microsoft.com/office/powerpoint/2010/main" val="2986942910"/>
+        <p14:creationId xmlns:p14="http://schemas.microsoft.com/office/powerpoint/2010/main" val="4022060751"/>
       </p:ext>
     </p:extLst>
   </p:cSld>
@@ -4087,21 +5307,25 @@
           <a:p>
             <a:r>
               <a:rPr lang="en-US" dirty="0" smtClean="0"/>
-              <a:t>What is the difference between Clone and Pull? </a:t>
+              <a:t>Why ignoring folders in a repository is useful?</a:t>
             </a:r>
           </a:p>
           <a:p>
             <a:pPr lvl="1"/>
             <a:r>
               <a:rPr lang="en-US" dirty="0" smtClean="0"/>
-              <a:t>Clone: clones an existing repo to your machine</a:t>
+              <a:t> Same </a:t>
+            </a:r>
+            <a:r>
+              <a:rPr lang="en-US" dirty="0" smtClean="0"/>
+              <a:t>reasons as for files</a:t>
             </a:r>
           </a:p>
           <a:p>
             <a:pPr lvl="1"/>
             <a:r>
               <a:rPr lang="en-US" dirty="0" smtClean="0"/>
-              <a:t>Pull: pulls the content of a previous cloned repo</a:t>
+              <a:t> No need to explicit ignore every file in folder</a:t>
             </a:r>
             <a:endParaRPr lang="de-CH" dirty="0"/>
           </a:p>

--- a/Recap SW2.pptx
+++ b/Recap SW2.pptx
@@ -304,7 +304,7 @@
           <a:p>
             <a:fld id="{59CC01F4-5E84-4E6D-951D-CFAB005CB529}" type="datetimeFigureOut">
               <a:rPr lang="de-CH" smtClean="0"/>
-              <a:t>26.02.2015</a:t>
+              <a:t>01.03.2015</a:t>
             </a:fld>
             <a:endParaRPr lang="de-CH"/>
           </a:p>
@@ -474,7 +474,7 @@
           <a:p>
             <a:fld id="{59CC01F4-5E84-4E6D-951D-CFAB005CB529}" type="datetimeFigureOut">
               <a:rPr lang="de-CH" smtClean="0"/>
-              <a:t>26.02.2015</a:t>
+              <a:t>01.03.2015</a:t>
             </a:fld>
             <a:endParaRPr lang="de-CH"/>
           </a:p>
@@ -654,7 +654,7 @@
           <a:p>
             <a:fld id="{59CC01F4-5E84-4E6D-951D-CFAB005CB529}" type="datetimeFigureOut">
               <a:rPr lang="de-CH" smtClean="0"/>
-              <a:t>26.02.2015</a:t>
+              <a:t>01.03.2015</a:t>
             </a:fld>
             <a:endParaRPr lang="de-CH"/>
           </a:p>
@@ -824,7 +824,7 @@
           <a:p>
             <a:fld id="{59CC01F4-5E84-4E6D-951D-CFAB005CB529}" type="datetimeFigureOut">
               <a:rPr lang="de-CH" smtClean="0"/>
-              <a:t>26.02.2015</a:t>
+              <a:t>01.03.2015</a:t>
             </a:fld>
             <a:endParaRPr lang="de-CH"/>
           </a:p>
@@ -1070,7 +1070,7 @@
           <a:p>
             <a:fld id="{59CC01F4-5E84-4E6D-951D-CFAB005CB529}" type="datetimeFigureOut">
               <a:rPr lang="de-CH" smtClean="0"/>
-              <a:t>26.02.2015</a:t>
+              <a:t>01.03.2015</a:t>
             </a:fld>
             <a:endParaRPr lang="de-CH"/>
           </a:p>
@@ -1358,7 +1358,7 @@
           <a:p>
             <a:fld id="{59CC01F4-5E84-4E6D-951D-CFAB005CB529}" type="datetimeFigureOut">
               <a:rPr lang="de-CH" smtClean="0"/>
-              <a:t>26.02.2015</a:t>
+              <a:t>01.03.2015</a:t>
             </a:fld>
             <a:endParaRPr lang="de-CH"/>
           </a:p>
@@ -1780,7 +1780,7 @@
           <a:p>
             <a:fld id="{59CC01F4-5E84-4E6D-951D-CFAB005CB529}" type="datetimeFigureOut">
               <a:rPr lang="de-CH" smtClean="0"/>
-              <a:t>26.02.2015</a:t>
+              <a:t>01.03.2015</a:t>
             </a:fld>
             <a:endParaRPr lang="de-CH"/>
           </a:p>
@@ -1898,7 +1898,7 @@
           <a:p>
             <a:fld id="{59CC01F4-5E84-4E6D-951D-CFAB005CB529}" type="datetimeFigureOut">
               <a:rPr lang="de-CH" smtClean="0"/>
-              <a:t>26.02.2015</a:t>
+              <a:t>01.03.2015</a:t>
             </a:fld>
             <a:endParaRPr lang="de-CH"/>
           </a:p>
@@ -1993,7 +1993,7 @@
           <a:p>
             <a:fld id="{59CC01F4-5E84-4E6D-951D-CFAB005CB529}" type="datetimeFigureOut">
               <a:rPr lang="de-CH" smtClean="0"/>
-              <a:t>26.02.2015</a:t>
+              <a:t>01.03.2015</a:t>
             </a:fld>
             <a:endParaRPr lang="de-CH"/>
           </a:p>
@@ -2270,7 +2270,7 @@
           <a:p>
             <a:fld id="{59CC01F4-5E84-4E6D-951D-CFAB005CB529}" type="datetimeFigureOut">
               <a:rPr lang="de-CH" smtClean="0"/>
-              <a:t>26.02.2015</a:t>
+              <a:t>01.03.2015</a:t>
             </a:fld>
             <a:endParaRPr lang="de-CH"/>
           </a:p>
@@ -2523,7 +2523,7 @@
           <a:p>
             <a:fld id="{59CC01F4-5E84-4E6D-951D-CFAB005CB529}" type="datetimeFigureOut">
               <a:rPr lang="de-CH" smtClean="0"/>
-              <a:t>26.02.2015</a:t>
+              <a:t>01.03.2015</a:t>
             </a:fld>
             <a:endParaRPr lang="de-CH"/>
           </a:p>
@@ -2736,7 +2736,7 @@
           <a:p>
             <a:fld id="{59CC01F4-5E84-4E6D-951D-CFAB005CB529}" type="datetimeFigureOut">
               <a:rPr lang="de-CH" smtClean="0"/>
-              <a:t>26.02.2015</a:t>
+              <a:t>01.03.2015</a:t>
             </a:fld>
             <a:endParaRPr lang="de-CH"/>
           </a:p>
@@ -3187,6 +3187,13 @@
   <p:clrMapOvr>
     <a:masterClrMapping/>
   </p:clrMapOvr>
+  <p:timing>
+    <p:tnLst>
+      <p:par>
+        <p:cTn id="1" dur="indefinite" restart="never" nodeType="tmRoot"/>
+      </p:par>
+    </p:tnLst>
+  </p:timing>
 </p:sld>
 </file>
 
@@ -3276,6 +3283,13 @@
   <p:clrMapOvr>
     <a:masterClrMapping/>
   </p:clrMapOvr>
+  <p:timing>
+    <p:tnLst>
+      <p:par>
+        <p:cTn id="1" dur="indefinite" restart="never" nodeType="tmRoot"/>
+      </p:par>
+    </p:tnLst>
+  </p:timing>
 </p:sld>
 </file>
 
@@ -3442,11 +3456,7 @@
           <a:p>
             <a:r>
               <a:rPr lang="en-US" dirty="0" smtClean="0"/>
-              <a:t>How </a:t>
-            </a:r>
-            <a:r>
-              <a:rPr lang="en-US" dirty="0" smtClean="0"/>
-              <a:t>can you create a conflict yourself?</a:t>
+              <a:t>How can you create a conflict yourself?</a:t>
             </a:r>
           </a:p>
           <a:p>
@@ -3553,11 +3563,7 @@
           <a:p>
             <a:r>
               <a:rPr lang="en-US" dirty="0" smtClean="0"/>
-              <a:t>Do </a:t>
-            </a:r>
-            <a:r>
-              <a:rPr lang="en-US" dirty="0" smtClean="0"/>
-              <a:t>you need a server to use </a:t>
+              <a:t>Do you need a server to use </a:t>
             </a:r>
             <a:r>
               <a:rPr lang="en-US" dirty="0" err="1" smtClean="0"/>
@@ -3738,11 +3744,7 @@
           <a:p>
             <a:r>
               <a:rPr lang="en-US" dirty="0" smtClean="0"/>
-              <a:t>What </a:t>
-            </a:r>
-            <a:r>
-              <a:rPr lang="en-US" dirty="0" smtClean="0"/>
-              <a:t>is the difference between Stage and Push?</a:t>
+              <a:t>What is the difference between Stage and Push?</a:t>
             </a:r>
           </a:p>
           <a:p>
@@ -4198,6 +4200,13 @@
   <p:clrMapOvr>
     <a:masterClrMapping/>
   </p:clrMapOvr>
+  <p:timing>
+    <p:tnLst>
+      <p:par>
+        <p:cTn id="1" dur="indefinite" restart="never" nodeType="tmRoot"/>
+      </p:par>
+    </p:tnLst>
+  </p:timing>
 </p:sld>
 </file>
 
@@ -4305,6 +4314,13 @@
   <p:clrMapOvr>
     <a:masterClrMapping/>
   </p:clrMapOvr>
+  <p:timing>
+    <p:tnLst>
+      <p:par>
+        <p:cTn id="1" dur="indefinite" restart="never" nodeType="tmRoot"/>
+      </p:par>
+    </p:tnLst>
+  </p:timing>
 </p:sld>
 </file>
 
@@ -4530,6 +4546,13 @@
   <p:clrMapOvr>
     <a:masterClrMapping/>
   </p:clrMapOvr>
+  <p:timing>
+    <p:tnLst>
+      <p:par>
+        <p:cTn id="1" dur="indefinite" restart="never" nodeType="tmRoot"/>
+      </p:par>
+    </p:tnLst>
+  </p:timing>
 </p:sld>
 </file>
 
@@ -4614,6 +4637,13 @@
   <p:clrMapOvr>
     <a:masterClrMapping/>
   </p:clrMapOvr>
+  <p:timing>
+    <p:tnLst>
+      <p:par>
+        <p:cTn id="1" dur="indefinite" restart="never" nodeType="tmRoot"/>
+      </p:par>
+    </p:tnLst>
+  </p:timing>
 </p:sld>
 </file>
 
@@ -5023,6 +5053,13 @@
   <p:clrMapOvr>
     <a:masterClrMapping/>
   </p:clrMapOvr>
+  <p:timing>
+    <p:tnLst>
+      <p:par>
+        <p:cTn id="1" dur="indefinite" restart="never" nodeType="tmRoot"/>
+      </p:par>
+    </p:tnLst>
+  </p:timing>
 </p:sld>
 </file>
 
@@ -5143,6 +5180,13 @@
   <p:clrMapOvr>
     <a:masterClrMapping/>
   </p:clrMapOvr>
+  <p:timing>
+    <p:tnLst>
+      <p:par>
+        <p:cTn id="1" dur="indefinite" restart="never" nodeType="tmRoot"/>
+      </p:par>
+    </p:tnLst>
+  </p:timing>
 </p:sld>
 </file>
 
@@ -5247,6 +5291,13 @@
   <p:clrMapOvr>
     <a:masterClrMapping/>
   </p:clrMapOvr>
+  <p:timing>
+    <p:tnLst>
+      <p:par>
+        <p:cTn id="1" dur="indefinite" restart="never" nodeType="tmRoot"/>
+      </p:par>
+    </p:tnLst>
+  </p:timing>
 </p:sld>
 </file>
 
@@ -5314,11 +5365,7 @@
             <a:pPr lvl="1"/>
             <a:r>
               <a:rPr lang="en-US" dirty="0" smtClean="0"/>
-              <a:t> Same </a:t>
-            </a:r>
-            <a:r>
-              <a:rPr lang="en-US" dirty="0" smtClean="0"/>
-              <a:t>reasons as for files</a:t>
+              <a:t> Same reasons as for files</a:t>
             </a:r>
           </a:p>
           <a:p>
@@ -5341,6 +5388,13 @@
   <p:clrMapOvr>
     <a:masterClrMapping/>
   </p:clrMapOvr>
+  <p:timing>
+    <p:tnLst>
+      <p:par>
+        <p:cTn id="1" dur="indefinite" restart="never" nodeType="tmRoot"/>
+      </p:par>
+    </p:tnLst>
+  </p:timing>
 </p:sld>
 </file>
 
